--- a/Presentatie1.pptx
+++ b/Presentatie1.pptx
@@ -7,8 +7,10 @@
   <p:sldIdLst>
     <p:sldId id="256" r:id="rId2"/>
     <p:sldId id="257" r:id="rId3"/>
-    <p:sldId id="258" r:id="rId4"/>
-    <p:sldId id="259" r:id="rId5"/>
+    <p:sldId id="259" r:id="rId4"/>
+    <p:sldId id="260" r:id="rId5"/>
+    <p:sldId id="261" r:id="rId6"/>
+    <p:sldId id="262" r:id="rId7"/>
   </p:sldIdLst>
   <p:sldSz cx="12192000" cy="6858000"/>
   <p:notesSz cx="6858000" cy="9144000"/>
@@ -3995,8 +3997,8 @@
         </p:nvSpPr>
         <p:spPr>
           <a:xfrm>
-            <a:off x="1480805" y="1272023"/>
-            <a:ext cx="2827959" cy="4771154"/>
+            <a:off x="1641231" y="1356449"/>
+            <a:ext cx="2520228" cy="4771154"/>
           </a:xfrm>
           <a:prstGeom prst="rect">
             <a:avLst/>
@@ -4065,8 +4067,8 @@
         </p:nvSpPr>
         <p:spPr>
           <a:xfrm>
-            <a:off x="4755673" y="1276355"/>
-            <a:ext cx="2827959" cy="4771154"/>
+            <a:off x="4916099" y="1360781"/>
+            <a:ext cx="2520228" cy="4771154"/>
           </a:xfrm>
           <a:prstGeom prst="rect">
             <a:avLst/>
@@ -4135,8 +4137,8 @@
         </p:nvSpPr>
         <p:spPr>
           <a:xfrm>
-            <a:off x="8030541" y="1272023"/>
-            <a:ext cx="2827959" cy="4771154"/>
+            <a:off x="8190967" y="1356449"/>
+            <a:ext cx="2520228" cy="4771154"/>
           </a:xfrm>
           <a:prstGeom prst="rect">
             <a:avLst/>
@@ -4194,7 +4196,7 @@
     </p:spTree>
     <p:extLst>
       <p:ext uri="{BB962C8B-B14F-4D97-AF65-F5344CB8AC3E}">
-        <p14:creationId xmlns:p14="http://schemas.microsoft.com/office/powerpoint/2010/main" val="358422610"/>
+        <p14:creationId xmlns:p14="http://schemas.microsoft.com/office/powerpoint/2010/main" val="724454345"/>
       </p:ext>
     </p:extLst>
   </p:cSld>
@@ -4445,8 +4447,8 @@
         </p:nvSpPr>
         <p:spPr>
           <a:xfrm>
-            <a:off x="1480805" y="1272023"/>
-            <a:ext cx="2827959" cy="4771154"/>
+            <a:off x="1641231" y="1356449"/>
+            <a:ext cx="2520228" cy="4771154"/>
           </a:xfrm>
           <a:prstGeom prst="rect">
             <a:avLst/>
@@ -4515,8 +4517,8 @@
         </p:nvSpPr>
         <p:spPr>
           <a:xfrm>
-            <a:off x="4755673" y="1276355"/>
-            <a:ext cx="2827959" cy="4771154"/>
+            <a:off x="4916099" y="1360781"/>
+            <a:ext cx="2520228" cy="4771154"/>
           </a:xfrm>
           <a:prstGeom prst="rect">
             <a:avLst/>
@@ -4585,8 +4587,8 @@
         </p:nvSpPr>
         <p:spPr>
           <a:xfrm>
-            <a:off x="8030541" y="1272023"/>
-            <a:ext cx="2827959" cy="4771154"/>
+            <a:off x="8190967" y="1356449"/>
+            <a:ext cx="2520228" cy="4771154"/>
           </a:xfrm>
           <a:prstGeom prst="rect">
             <a:avLst/>
@@ -4641,10 +4643,2433 @@
           </a:p>
         </p:txBody>
       </p:sp>
+      <p:sp>
+        <p:nvSpPr>
+          <p:cNvPr id="12" name="Rectangle 6">
+            <a:extLst>
+              <a:ext uri="{FF2B5EF4-FFF2-40B4-BE49-F238E27FC236}">
+                <a16:creationId xmlns:a16="http://schemas.microsoft.com/office/drawing/2014/main" id="{AD45831E-B092-44BD-BF17-0D15E4069241}"/>
+              </a:ext>
+            </a:extLst>
+          </p:cNvPr>
+          <p:cNvSpPr/>
+          <p:nvPr/>
+        </p:nvSpPr>
+        <p:spPr>
+          <a:xfrm>
+            <a:off x="1480804" y="1108600"/>
+            <a:ext cx="9356913" cy="5118386"/>
+          </a:xfrm>
+          <a:prstGeom prst="rect">
+            <a:avLst/>
+          </a:prstGeom>
+          <a:noFill/>
+          <a:ln w="12700">
+            <a:solidFill>
+              <a:srgbClr val="1E8900"/>
+            </a:solidFill>
+          </a:ln>
+        </p:spPr>
+        <p:style>
+          <a:lnRef idx="2">
+            <a:schemeClr val="accent1">
+              <a:shade val="50000"/>
+            </a:schemeClr>
+          </a:lnRef>
+          <a:fillRef idx="1">
+            <a:schemeClr val="accent1"/>
+          </a:fillRef>
+          <a:effectRef idx="0">
+            <a:schemeClr val="accent1"/>
+          </a:effectRef>
+          <a:fontRef idx="minor">
+            <a:schemeClr val="lt1"/>
+          </a:fontRef>
+        </p:style>
+        <p:txBody>
+          <a:bodyPr lIns="502920" tIns="91440"/>
+          <a:lstStyle/>
+          <a:p>
+            <a:pPr eaLnBrk="1" fontAlgn="auto" hangingPunct="1">
+              <a:spcBef>
+                <a:spcPts val="0"/>
+              </a:spcBef>
+              <a:spcAft>
+                <a:spcPts val="0"/>
+              </a:spcAft>
+              <a:defRPr/>
+            </a:pPr>
+            <a:r>
+              <a:rPr lang="en-US" sz="1200" dirty="0">
+                <a:ln w="0"/>
+                <a:solidFill>
+                  <a:srgbClr val="1E8900"/>
+                </a:solidFill>
+                <a:latin typeface="Arial" panose="020B0604020202020204" pitchFamily="34" charset="0"/>
+                <a:cs typeface="Arial" panose="020B0604020202020204" pitchFamily="34" charset="0"/>
+              </a:rPr>
+              <a:t>VPC</a:t>
+            </a:r>
+          </a:p>
+        </p:txBody>
+      </p:sp>
+      <p:pic>
+        <p:nvPicPr>
+          <p:cNvPr id="13" name="Graphic 12">
+            <a:extLst>
+              <a:ext uri="{FF2B5EF4-FFF2-40B4-BE49-F238E27FC236}">
+                <a16:creationId xmlns:a16="http://schemas.microsoft.com/office/drawing/2014/main" id="{9AD1B570-C566-49E1-81A7-DF5FB65408C0}"/>
+              </a:ext>
+            </a:extLst>
+          </p:cNvPr>
+          <p:cNvPicPr>
+            <a:picLocks noChangeAspect="1"/>
+          </p:cNvPicPr>
+          <p:nvPr/>
+        </p:nvPicPr>
+        <p:blipFill>
+          <a:blip r:embed="rId6">
+            <a:extLst>
+              <a:ext uri="{96DAC541-7B7A-43D3-8B79-37D633B846F1}">
+                <asvg:svgBlip xmlns:asvg="http://schemas.microsoft.com/office/drawing/2016/SVG/main" r:embed="rId7"/>
+              </a:ext>
+            </a:extLst>
+          </a:blip>
+          <a:stretch>
+            <a:fillRect/>
+          </a:stretch>
+        </p:blipFill>
+        <p:spPr>
+          <a:xfrm>
+            <a:off x="1480805" y="1110188"/>
+            <a:ext cx="381000" cy="381000"/>
+          </a:xfrm>
+          <a:prstGeom prst="rect">
+            <a:avLst/>
+          </a:prstGeom>
+        </p:spPr>
+      </p:pic>
+      <p:sp>
+        <p:nvSpPr>
+          <p:cNvPr id="16" name="Rectangle 32">
+            <a:extLst>
+              <a:ext uri="{FF2B5EF4-FFF2-40B4-BE49-F238E27FC236}">
+                <a16:creationId xmlns:a16="http://schemas.microsoft.com/office/drawing/2014/main" id="{FDD0803E-CA2C-4BB9-BAB8-92077C2FF8E0}"/>
+              </a:ext>
+            </a:extLst>
+          </p:cNvPr>
+          <p:cNvSpPr/>
+          <p:nvPr/>
+        </p:nvSpPr>
+        <p:spPr>
+          <a:xfrm>
+            <a:off x="1861805" y="1737448"/>
+            <a:ext cx="2059564" cy="1287105"/>
+          </a:xfrm>
+          <a:prstGeom prst="rect">
+            <a:avLst/>
+          </a:prstGeom>
+          <a:solidFill>
+            <a:srgbClr val="1D8900">
+              <a:alpha val="9804"/>
+            </a:srgbClr>
+          </a:solidFill>
+          <a:ln w="12700">
+            <a:noFill/>
+            <a:prstDash val="dash"/>
+          </a:ln>
+        </p:spPr>
+        <p:style>
+          <a:lnRef idx="2">
+            <a:schemeClr val="accent1">
+              <a:shade val="50000"/>
+            </a:schemeClr>
+          </a:lnRef>
+          <a:fillRef idx="1">
+            <a:schemeClr val="accent1"/>
+          </a:fillRef>
+          <a:effectRef idx="0">
+            <a:schemeClr val="accent1"/>
+          </a:effectRef>
+          <a:fontRef idx="minor">
+            <a:schemeClr val="lt1"/>
+          </a:fontRef>
+        </p:style>
+        <p:txBody>
+          <a:bodyPr lIns="502920"/>
+          <a:lstStyle/>
+          <a:p>
+            <a:pPr eaLnBrk="1" fontAlgn="auto" hangingPunct="1">
+              <a:spcBef>
+                <a:spcPts val="0"/>
+              </a:spcBef>
+              <a:spcAft>
+                <a:spcPts val="0"/>
+              </a:spcAft>
+              <a:defRPr/>
+            </a:pPr>
+            <a:r>
+              <a:rPr lang="en-US" sz="1200" dirty="0">
+                <a:solidFill>
+                  <a:srgbClr val="1E8900"/>
+                </a:solidFill>
+                <a:latin typeface="Arial" panose="020B0604020202020204" pitchFamily="34" charset="0"/>
+                <a:cs typeface="Arial" panose="020B0604020202020204" pitchFamily="34" charset="0"/>
+              </a:rPr>
+              <a:t>Public subnet</a:t>
+            </a:r>
+          </a:p>
+        </p:txBody>
+      </p:sp>
+      <p:pic>
+        <p:nvPicPr>
+          <p:cNvPr id="17" name="Graphic 16">
+            <a:extLst>
+              <a:ext uri="{FF2B5EF4-FFF2-40B4-BE49-F238E27FC236}">
+                <a16:creationId xmlns:a16="http://schemas.microsoft.com/office/drawing/2014/main" id="{774EFCEC-0846-4162-9E5C-A6D6B72F6AD9}"/>
+              </a:ext>
+            </a:extLst>
+          </p:cNvPr>
+          <p:cNvPicPr>
+            <a:picLocks noChangeAspect="1"/>
+          </p:cNvPicPr>
+          <p:nvPr/>
+        </p:nvPicPr>
+        <p:blipFill>
+          <a:blip r:embed="rId8">
+            <a:extLst>
+              <a:ext uri="{96DAC541-7B7A-43D3-8B79-37D633B846F1}">
+                <asvg:svgBlip xmlns:asvg="http://schemas.microsoft.com/office/drawing/2016/SVG/main" r:embed="rId9"/>
+              </a:ext>
+            </a:extLst>
+          </a:blip>
+          <a:stretch>
+            <a:fillRect/>
+          </a:stretch>
+        </p:blipFill>
+        <p:spPr>
+          <a:xfrm>
+            <a:off x="1862440" y="1739037"/>
+            <a:ext cx="381000" cy="381000"/>
+          </a:xfrm>
+          <a:prstGeom prst="rect">
+            <a:avLst/>
+          </a:prstGeom>
+        </p:spPr>
+      </p:pic>
+      <p:sp>
+        <p:nvSpPr>
+          <p:cNvPr id="19" name="Rectangle 32">
+            <a:extLst>
+              <a:ext uri="{FF2B5EF4-FFF2-40B4-BE49-F238E27FC236}">
+                <a16:creationId xmlns:a16="http://schemas.microsoft.com/office/drawing/2014/main" id="{AC907698-69A0-44D4-BC0A-6D45EDF07CC2}"/>
+              </a:ext>
+            </a:extLst>
+          </p:cNvPr>
+          <p:cNvSpPr/>
+          <p:nvPr/>
+        </p:nvSpPr>
+        <p:spPr>
+          <a:xfrm>
+            <a:off x="5146431" y="1737448"/>
+            <a:ext cx="2059564" cy="1287105"/>
+          </a:xfrm>
+          <a:prstGeom prst="rect">
+            <a:avLst/>
+          </a:prstGeom>
+          <a:solidFill>
+            <a:srgbClr val="1D8900">
+              <a:alpha val="9804"/>
+            </a:srgbClr>
+          </a:solidFill>
+          <a:ln w="12700">
+            <a:noFill/>
+            <a:prstDash val="dash"/>
+          </a:ln>
+        </p:spPr>
+        <p:style>
+          <a:lnRef idx="2">
+            <a:schemeClr val="accent1">
+              <a:shade val="50000"/>
+            </a:schemeClr>
+          </a:lnRef>
+          <a:fillRef idx="1">
+            <a:schemeClr val="accent1"/>
+          </a:fillRef>
+          <a:effectRef idx="0">
+            <a:schemeClr val="accent1"/>
+          </a:effectRef>
+          <a:fontRef idx="minor">
+            <a:schemeClr val="lt1"/>
+          </a:fontRef>
+        </p:style>
+        <p:txBody>
+          <a:bodyPr lIns="502920"/>
+          <a:lstStyle/>
+          <a:p>
+            <a:pPr eaLnBrk="1" fontAlgn="auto" hangingPunct="1">
+              <a:spcBef>
+                <a:spcPts val="0"/>
+              </a:spcBef>
+              <a:spcAft>
+                <a:spcPts val="0"/>
+              </a:spcAft>
+              <a:defRPr/>
+            </a:pPr>
+            <a:r>
+              <a:rPr lang="en-US" sz="1200" dirty="0">
+                <a:solidFill>
+                  <a:srgbClr val="1E8900"/>
+                </a:solidFill>
+                <a:latin typeface="Arial" panose="020B0604020202020204" pitchFamily="34" charset="0"/>
+                <a:cs typeface="Arial" panose="020B0604020202020204" pitchFamily="34" charset="0"/>
+              </a:rPr>
+              <a:t>Public subnet</a:t>
+            </a:r>
+          </a:p>
+        </p:txBody>
+      </p:sp>
+      <p:pic>
+        <p:nvPicPr>
+          <p:cNvPr id="20" name="Graphic 19">
+            <a:extLst>
+              <a:ext uri="{FF2B5EF4-FFF2-40B4-BE49-F238E27FC236}">
+                <a16:creationId xmlns:a16="http://schemas.microsoft.com/office/drawing/2014/main" id="{C37697DB-DD95-44F3-9627-73A04C8BE83C}"/>
+              </a:ext>
+            </a:extLst>
+          </p:cNvPr>
+          <p:cNvPicPr>
+            <a:picLocks noChangeAspect="1"/>
+          </p:cNvPicPr>
+          <p:nvPr/>
+        </p:nvPicPr>
+        <p:blipFill>
+          <a:blip r:embed="rId8">
+            <a:extLst>
+              <a:ext uri="{96DAC541-7B7A-43D3-8B79-37D633B846F1}">
+                <asvg:svgBlip xmlns:asvg="http://schemas.microsoft.com/office/drawing/2016/SVG/main" r:embed="rId9"/>
+              </a:ext>
+            </a:extLst>
+          </a:blip>
+          <a:stretch>
+            <a:fillRect/>
+          </a:stretch>
+        </p:blipFill>
+        <p:spPr>
+          <a:xfrm>
+            <a:off x="5147066" y="1739037"/>
+            <a:ext cx="381000" cy="381000"/>
+          </a:xfrm>
+          <a:prstGeom prst="rect">
+            <a:avLst/>
+          </a:prstGeom>
+        </p:spPr>
+      </p:pic>
+      <p:sp>
+        <p:nvSpPr>
+          <p:cNvPr id="21" name="Rectangle 32">
+            <a:extLst>
+              <a:ext uri="{FF2B5EF4-FFF2-40B4-BE49-F238E27FC236}">
+                <a16:creationId xmlns:a16="http://schemas.microsoft.com/office/drawing/2014/main" id="{C66AD909-32BB-40CD-A329-C58AAB057A34}"/>
+              </a:ext>
+            </a:extLst>
+          </p:cNvPr>
+          <p:cNvSpPr/>
+          <p:nvPr/>
+        </p:nvSpPr>
+        <p:spPr>
+          <a:xfrm>
+            <a:off x="8428893" y="1737448"/>
+            <a:ext cx="2059564" cy="1287105"/>
+          </a:xfrm>
+          <a:prstGeom prst="rect">
+            <a:avLst/>
+          </a:prstGeom>
+          <a:solidFill>
+            <a:srgbClr val="1D8900">
+              <a:alpha val="9804"/>
+            </a:srgbClr>
+          </a:solidFill>
+          <a:ln w="12700">
+            <a:noFill/>
+            <a:prstDash val="dash"/>
+          </a:ln>
+        </p:spPr>
+        <p:style>
+          <a:lnRef idx="2">
+            <a:schemeClr val="accent1">
+              <a:shade val="50000"/>
+            </a:schemeClr>
+          </a:lnRef>
+          <a:fillRef idx="1">
+            <a:schemeClr val="accent1"/>
+          </a:fillRef>
+          <a:effectRef idx="0">
+            <a:schemeClr val="accent1"/>
+          </a:effectRef>
+          <a:fontRef idx="minor">
+            <a:schemeClr val="lt1"/>
+          </a:fontRef>
+        </p:style>
+        <p:txBody>
+          <a:bodyPr lIns="502920"/>
+          <a:lstStyle/>
+          <a:p>
+            <a:pPr eaLnBrk="1" fontAlgn="auto" hangingPunct="1">
+              <a:spcBef>
+                <a:spcPts val="0"/>
+              </a:spcBef>
+              <a:spcAft>
+                <a:spcPts val="0"/>
+              </a:spcAft>
+              <a:defRPr/>
+            </a:pPr>
+            <a:r>
+              <a:rPr lang="en-US" sz="1200" dirty="0">
+                <a:solidFill>
+                  <a:srgbClr val="1E8900"/>
+                </a:solidFill>
+                <a:latin typeface="Arial" panose="020B0604020202020204" pitchFamily="34" charset="0"/>
+                <a:cs typeface="Arial" panose="020B0604020202020204" pitchFamily="34" charset="0"/>
+              </a:rPr>
+              <a:t>Public subnet</a:t>
+            </a:r>
+          </a:p>
+        </p:txBody>
+      </p:sp>
+      <p:pic>
+        <p:nvPicPr>
+          <p:cNvPr id="22" name="Graphic 21">
+            <a:extLst>
+              <a:ext uri="{FF2B5EF4-FFF2-40B4-BE49-F238E27FC236}">
+                <a16:creationId xmlns:a16="http://schemas.microsoft.com/office/drawing/2014/main" id="{7A211FA5-A99D-441E-A44D-013A7B091A62}"/>
+              </a:ext>
+            </a:extLst>
+          </p:cNvPr>
+          <p:cNvPicPr>
+            <a:picLocks noChangeAspect="1"/>
+          </p:cNvPicPr>
+          <p:nvPr/>
+        </p:nvPicPr>
+        <p:blipFill>
+          <a:blip r:embed="rId8">
+            <a:extLst>
+              <a:ext uri="{96DAC541-7B7A-43D3-8B79-37D633B846F1}">
+                <asvg:svgBlip xmlns:asvg="http://schemas.microsoft.com/office/drawing/2016/SVG/main" r:embed="rId9"/>
+              </a:ext>
+            </a:extLst>
+          </a:blip>
+          <a:stretch>
+            <a:fillRect/>
+          </a:stretch>
+        </p:blipFill>
+        <p:spPr>
+          <a:xfrm>
+            <a:off x="8429528" y="1739037"/>
+            <a:ext cx="381000" cy="381000"/>
+          </a:xfrm>
+          <a:prstGeom prst="rect">
+            <a:avLst/>
+          </a:prstGeom>
+        </p:spPr>
+      </p:pic>
     </p:spTree>
     <p:extLst>
       <p:ext uri="{BB962C8B-B14F-4D97-AF65-F5344CB8AC3E}">
-        <p14:creationId xmlns:p14="http://schemas.microsoft.com/office/powerpoint/2010/main" val="724454345"/>
+        <p14:creationId xmlns:p14="http://schemas.microsoft.com/office/powerpoint/2010/main" val="181651686"/>
+      </p:ext>
+    </p:extLst>
+  </p:cSld>
+  <p:clrMapOvr>
+    <a:masterClrMapping/>
+  </p:clrMapOvr>
+</p:sld>
+</file>
+
+<file path=ppt/slides/slide5.xml><?xml version="1.0" encoding="utf-8"?>
+<p:sld xmlns:a="http://schemas.openxmlformats.org/drawingml/2006/main" xmlns:r="http://schemas.openxmlformats.org/officeDocument/2006/relationships" xmlns:p="http://schemas.openxmlformats.org/presentationml/2006/main">
+  <p:cSld>
+    <p:spTree>
+      <p:nvGrpSpPr>
+        <p:cNvPr id="1" name=""/>
+        <p:cNvGrpSpPr/>
+        <p:nvPr/>
+      </p:nvGrpSpPr>
+      <p:grpSpPr>
+        <a:xfrm>
+          <a:off x="0" y="0"/>
+          <a:ext cx="0" cy="0"/>
+          <a:chOff x="0" y="0"/>
+          <a:chExt cx="0" cy="0"/>
+        </a:xfrm>
+      </p:grpSpPr>
+      <p:sp>
+        <p:nvSpPr>
+          <p:cNvPr id="7" name="Rectangle 9">
+            <a:extLst>
+              <a:ext uri="{FF2B5EF4-FFF2-40B4-BE49-F238E27FC236}">
+                <a16:creationId xmlns:a16="http://schemas.microsoft.com/office/drawing/2014/main" id="{BA1A5418-1CA6-4320-9F2C-0756EAADE24B}"/>
+              </a:ext>
+            </a:extLst>
+          </p:cNvPr>
+          <p:cNvSpPr/>
+          <p:nvPr/>
+        </p:nvSpPr>
+        <p:spPr>
+          <a:xfrm>
+            <a:off x="719281" y="345066"/>
+            <a:ext cx="10887363" cy="6357069"/>
+          </a:xfrm>
+          <a:prstGeom prst="rect">
+            <a:avLst/>
+          </a:prstGeom>
+          <a:noFill/>
+          <a:ln w="12700">
+            <a:solidFill>
+              <a:schemeClr val="tx1"/>
+            </a:solidFill>
+          </a:ln>
+        </p:spPr>
+        <p:style>
+          <a:lnRef idx="2">
+            <a:schemeClr val="accent1">
+              <a:shade val="50000"/>
+            </a:schemeClr>
+          </a:lnRef>
+          <a:fillRef idx="1">
+            <a:schemeClr val="accent1"/>
+          </a:fillRef>
+          <a:effectRef idx="0">
+            <a:schemeClr val="accent1"/>
+          </a:effectRef>
+          <a:fontRef idx="minor">
+            <a:schemeClr val="lt1"/>
+          </a:fontRef>
+        </p:style>
+        <p:txBody>
+          <a:bodyPr lIns="502920" tIns="91440"/>
+          <a:lstStyle/>
+          <a:p>
+            <a:pPr eaLnBrk="1" fontAlgn="auto" hangingPunct="1">
+              <a:spcBef>
+                <a:spcPts val="0"/>
+              </a:spcBef>
+              <a:spcAft>
+                <a:spcPts val="0"/>
+              </a:spcAft>
+              <a:defRPr/>
+            </a:pPr>
+            <a:r>
+              <a:rPr lang="en-US" sz="1200" dirty="0">
+                <a:solidFill>
+                  <a:sysClr val="windowText" lastClr="000000"/>
+                </a:solidFill>
+                <a:latin typeface="Arial" panose="020B0604020202020204" pitchFamily="34" charset="0"/>
+                <a:cs typeface="Arial" panose="020B0604020202020204" pitchFamily="34" charset="0"/>
+              </a:rPr>
+              <a:t>AWS Cloud</a:t>
+            </a:r>
+          </a:p>
+        </p:txBody>
+      </p:sp>
+      <p:pic>
+        <p:nvPicPr>
+          <p:cNvPr id="8" name="Graphic 7">
+            <a:extLst>
+              <a:ext uri="{FF2B5EF4-FFF2-40B4-BE49-F238E27FC236}">
+                <a16:creationId xmlns:a16="http://schemas.microsoft.com/office/drawing/2014/main" id="{1011A861-CDFE-4871-AF7E-14CAD0545C89}"/>
+              </a:ext>
+            </a:extLst>
+          </p:cNvPr>
+          <p:cNvPicPr>
+            <a:picLocks noChangeAspect="1"/>
+          </p:cNvPicPr>
+          <p:nvPr/>
+        </p:nvPicPr>
+        <p:blipFill>
+          <a:blip r:embed="rId2">
+            <a:extLst>
+              <a:ext uri="{96DAC541-7B7A-43D3-8B79-37D633B846F1}">
+                <asvg:svgBlip xmlns:asvg="http://schemas.microsoft.com/office/drawing/2016/SVG/main" r:embed="rId3"/>
+              </a:ext>
+            </a:extLst>
+          </a:blip>
+          <a:srcRect/>
+          <a:stretch/>
+        </p:blipFill>
+        <p:spPr>
+          <a:xfrm>
+            <a:off x="719282" y="345066"/>
+            <a:ext cx="381000" cy="381000"/>
+          </a:xfrm>
+          <a:prstGeom prst="rect">
+            <a:avLst/>
+          </a:prstGeom>
+        </p:spPr>
+      </p:pic>
+      <p:sp>
+        <p:nvSpPr>
+          <p:cNvPr id="10" name="Rectangle 8">
+            <a:extLst>
+              <a:ext uri="{FF2B5EF4-FFF2-40B4-BE49-F238E27FC236}">
+                <a16:creationId xmlns:a16="http://schemas.microsoft.com/office/drawing/2014/main" id="{2EA2F830-084E-4541-BE27-EFF8151C7DD9}"/>
+              </a:ext>
+            </a:extLst>
+          </p:cNvPr>
+          <p:cNvSpPr/>
+          <p:nvPr/>
+        </p:nvSpPr>
+        <p:spPr>
+          <a:xfrm>
+            <a:off x="1100281" y="726065"/>
+            <a:ext cx="10111509" cy="5726689"/>
+          </a:xfrm>
+          <a:prstGeom prst="rect">
+            <a:avLst/>
+          </a:prstGeom>
+          <a:noFill/>
+          <a:ln w="12700">
+            <a:solidFill>
+              <a:srgbClr val="5B9CD5"/>
+            </a:solidFill>
+            <a:prstDash val="sysDash"/>
+          </a:ln>
+        </p:spPr>
+        <p:style>
+          <a:lnRef idx="2">
+            <a:schemeClr val="accent1">
+              <a:shade val="50000"/>
+            </a:schemeClr>
+          </a:lnRef>
+          <a:fillRef idx="1">
+            <a:schemeClr val="accent1"/>
+          </a:fillRef>
+          <a:effectRef idx="0">
+            <a:schemeClr val="accent1"/>
+          </a:effectRef>
+          <a:fontRef idx="minor">
+            <a:schemeClr val="lt1"/>
+          </a:fontRef>
+        </p:style>
+        <p:txBody>
+          <a:bodyPr lIns="502920" tIns="91440"/>
+          <a:lstStyle/>
+          <a:p>
+            <a:pPr eaLnBrk="1" fontAlgn="auto" hangingPunct="1">
+              <a:spcBef>
+                <a:spcPts val="0"/>
+              </a:spcBef>
+              <a:spcAft>
+                <a:spcPts val="0"/>
+              </a:spcAft>
+              <a:defRPr/>
+            </a:pPr>
+            <a:r>
+              <a:rPr lang="en-US" sz="1200" dirty="0">
+                <a:solidFill>
+                  <a:srgbClr val="5B9CD5"/>
+                </a:solidFill>
+                <a:latin typeface="Arial" panose="020B0604020202020204" pitchFamily="34" charset="0"/>
+                <a:cs typeface="Arial" panose="020B0604020202020204" pitchFamily="34" charset="0"/>
+              </a:rPr>
+              <a:t>Region</a:t>
+            </a:r>
+          </a:p>
+        </p:txBody>
+      </p:sp>
+      <p:pic>
+        <p:nvPicPr>
+          <p:cNvPr id="11" name="Graphic 10">
+            <a:extLst>
+              <a:ext uri="{FF2B5EF4-FFF2-40B4-BE49-F238E27FC236}">
+                <a16:creationId xmlns:a16="http://schemas.microsoft.com/office/drawing/2014/main" id="{0390CF6D-66E7-4EEA-AB0E-F669126E9413}"/>
+              </a:ext>
+            </a:extLst>
+          </p:cNvPr>
+          <p:cNvPicPr>
+            <a:picLocks noChangeAspect="1"/>
+          </p:cNvPicPr>
+          <p:nvPr/>
+        </p:nvPicPr>
+        <p:blipFill>
+          <a:blip r:embed="rId4">
+            <a:extLst>
+              <a:ext uri="{96DAC541-7B7A-43D3-8B79-37D633B846F1}">
+                <asvg:svgBlip xmlns:asvg="http://schemas.microsoft.com/office/drawing/2016/SVG/main" r:embed="rId5"/>
+              </a:ext>
+            </a:extLst>
+          </a:blip>
+          <a:stretch>
+            <a:fillRect/>
+          </a:stretch>
+        </p:blipFill>
+        <p:spPr>
+          <a:xfrm>
+            <a:off x="1099805" y="719573"/>
+            <a:ext cx="381000" cy="381000"/>
+          </a:xfrm>
+          <a:prstGeom prst="rect">
+            <a:avLst/>
+          </a:prstGeom>
+        </p:spPr>
+      </p:pic>
+      <p:sp>
+        <p:nvSpPr>
+          <p:cNvPr id="9" name="Rectangle 10">
+            <a:extLst>
+              <a:ext uri="{FF2B5EF4-FFF2-40B4-BE49-F238E27FC236}">
+                <a16:creationId xmlns:a16="http://schemas.microsoft.com/office/drawing/2014/main" id="{90A11D89-8F97-45BA-BB0B-B1EDB649BC54}"/>
+              </a:ext>
+            </a:extLst>
+          </p:cNvPr>
+          <p:cNvSpPr/>
+          <p:nvPr/>
+        </p:nvSpPr>
+        <p:spPr>
+          <a:xfrm>
+            <a:off x="1641231" y="1356449"/>
+            <a:ext cx="2520228" cy="4771154"/>
+          </a:xfrm>
+          <a:prstGeom prst="rect">
+            <a:avLst/>
+          </a:prstGeom>
+          <a:noFill/>
+          <a:ln w="12700">
+            <a:solidFill>
+              <a:srgbClr val="5B9CD5"/>
+            </a:solidFill>
+            <a:prstDash val="dash"/>
+          </a:ln>
+        </p:spPr>
+        <p:style>
+          <a:lnRef idx="2">
+            <a:schemeClr val="accent1">
+              <a:shade val="50000"/>
+            </a:schemeClr>
+          </a:lnRef>
+          <a:fillRef idx="1">
+            <a:schemeClr val="accent1"/>
+          </a:fillRef>
+          <a:effectRef idx="0">
+            <a:schemeClr val="accent1"/>
+          </a:effectRef>
+          <a:fontRef idx="minor">
+            <a:schemeClr val="lt1"/>
+          </a:fontRef>
+        </p:style>
+        <p:txBody>
+          <a:bodyPr tIns="91440"/>
+          <a:lstStyle/>
+          <a:p>
+            <a:pPr algn="ctr" eaLnBrk="1" fontAlgn="auto" hangingPunct="1">
+              <a:spcBef>
+                <a:spcPts val="0"/>
+              </a:spcBef>
+              <a:spcAft>
+                <a:spcPts val="0"/>
+              </a:spcAft>
+              <a:defRPr/>
+            </a:pPr>
+            <a:r>
+              <a:rPr lang="en-US" sz="1200" dirty="0">
+                <a:solidFill>
+                  <a:srgbClr val="5B9CD5"/>
+                </a:solidFill>
+                <a:latin typeface="Arial" panose="020B0604020202020204" pitchFamily="34" charset="0"/>
+                <a:cs typeface="Arial" panose="020B0604020202020204" pitchFamily="34" charset="0"/>
+              </a:rPr>
+              <a:t>Availability Zone</a:t>
+            </a:r>
+          </a:p>
+        </p:txBody>
+      </p:sp>
+      <p:sp>
+        <p:nvSpPr>
+          <p:cNvPr id="14" name="Rectangle 10">
+            <a:extLst>
+              <a:ext uri="{FF2B5EF4-FFF2-40B4-BE49-F238E27FC236}">
+                <a16:creationId xmlns:a16="http://schemas.microsoft.com/office/drawing/2014/main" id="{14E174BC-C297-437D-B6CB-EA18B163B322}"/>
+              </a:ext>
+            </a:extLst>
+          </p:cNvPr>
+          <p:cNvSpPr/>
+          <p:nvPr/>
+        </p:nvSpPr>
+        <p:spPr>
+          <a:xfrm>
+            <a:off x="4916099" y="1360781"/>
+            <a:ext cx="2520228" cy="4771154"/>
+          </a:xfrm>
+          <a:prstGeom prst="rect">
+            <a:avLst/>
+          </a:prstGeom>
+          <a:noFill/>
+          <a:ln w="12700">
+            <a:solidFill>
+              <a:srgbClr val="5B9CD5"/>
+            </a:solidFill>
+            <a:prstDash val="dash"/>
+          </a:ln>
+        </p:spPr>
+        <p:style>
+          <a:lnRef idx="2">
+            <a:schemeClr val="accent1">
+              <a:shade val="50000"/>
+            </a:schemeClr>
+          </a:lnRef>
+          <a:fillRef idx="1">
+            <a:schemeClr val="accent1"/>
+          </a:fillRef>
+          <a:effectRef idx="0">
+            <a:schemeClr val="accent1"/>
+          </a:effectRef>
+          <a:fontRef idx="minor">
+            <a:schemeClr val="lt1"/>
+          </a:fontRef>
+        </p:style>
+        <p:txBody>
+          <a:bodyPr tIns="91440"/>
+          <a:lstStyle/>
+          <a:p>
+            <a:pPr algn="ctr" eaLnBrk="1" fontAlgn="auto" hangingPunct="1">
+              <a:spcBef>
+                <a:spcPts val="0"/>
+              </a:spcBef>
+              <a:spcAft>
+                <a:spcPts val="0"/>
+              </a:spcAft>
+              <a:defRPr/>
+            </a:pPr>
+            <a:r>
+              <a:rPr lang="en-US" sz="1200" dirty="0">
+                <a:solidFill>
+                  <a:srgbClr val="5B9CD5"/>
+                </a:solidFill>
+                <a:latin typeface="Arial" panose="020B0604020202020204" pitchFamily="34" charset="0"/>
+                <a:cs typeface="Arial" panose="020B0604020202020204" pitchFamily="34" charset="0"/>
+              </a:rPr>
+              <a:t>Availability Zone</a:t>
+            </a:r>
+          </a:p>
+        </p:txBody>
+      </p:sp>
+      <p:sp>
+        <p:nvSpPr>
+          <p:cNvPr id="15" name="Rectangle 10">
+            <a:extLst>
+              <a:ext uri="{FF2B5EF4-FFF2-40B4-BE49-F238E27FC236}">
+                <a16:creationId xmlns:a16="http://schemas.microsoft.com/office/drawing/2014/main" id="{A1C24612-4B46-4DC1-A212-09A960D3B8AF}"/>
+              </a:ext>
+            </a:extLst>
+          </p:cNvPr>
+          <p:cNvSpPr/>
+          <p:nvPr/>
+        </p:nvSpPr>
+        <p:spPr>
+          <a:xfrm>
+            <a:off x="8190967" y="1356449"/>
+            <a:ext cx="2520228" cy="4771154"/>
+          </a:xfrm>
+          <a:prstGeom prst="rect">
+            <a:avLst/>
+          </a:prstGeom>
+          <a:noFill/>
+          <a:ln w="12700">
+            <a:solidFill>
+              <a:srgbClr val="5B9CD5"/>
+            </a:solidFill>
+            <a:prstDash val="dash"/>
+          </a:ln>
+        </p:spPr>
+        <p:style>
+          <a:lnRef idx="2">
+            <a:schemeClr val="accent1">
+              <a:shade val="50000"/>
+            </a:schemeClr>
+          </a:lnRef>
+          <a:fillRef idx="1">
+            <a:schemeClr val="accent1"/>
+          </a:fillRef>
+          <a:effectRef idx="0">
+            <a:schemeClr val="accent1"/>
+          </a:effectRef>
+          <a:fontRef idx="minor">
+            <a:schemeClr val="lt1"/>
+          </a:fontRef>
+        </p:style>
+        <p:txBody>
+          <a:bodyPr tIns="91440"/>
+          <a:lstStyle/>
+          <a:p>
+            <a:pPr algn="ctr" eaLnBrk="1" fontAlgn="auto" hangingPunct="1">
+              <a:spcBef>
+                <a:spcPts val="0"/>
+              </a:spcBef>
+              <a:spcAft>
+                <a:spcPts val="0"/>
+              </a:spcAft>
+              <a:defRPr/>
+            </a:pPr>
+            <a:r>
+              <a:rPr lang="en-US" sz="1200" dirty="0">
+                <a:solidFill>
+                  <a:srgbClr val="5B9CD5"/>
+                </a:solidFill>
+                <a:latin typeface="Arial" panose="020B0604020202020204" pitchFamily="34" charset="0"/>
+                <a:cs typeface="Arial" panose="020B0604020202020204" pitchFamily="34" charset="0"/>
+              </a:rPr>
+              <a:t>Availability Zone</a:t>
+            </a:r>
+          </a:p>
+        </p:txBody>
+      </p:sp>
+      <p:sp>
+        <p:nvSpPr>
+          <p:cNvPr id="12" name="Rectangle 6">
+            <a:extLst>
+              <a:ext uri="{FF2B5EF4-FFF2-40B4-BE49-F238E27FC236}">
+                <a16:creationId xmlns:a16="http://schemas.microsoft.com/office/drawing/2014/main" id="{AD45831E-B092-44BD-BF17-0D15E4069241}"/>
+              </a:ext>
+            </a:extLst>
+          </p:cNvPr>
+          <p:cNvSpPr/>
+          <p:nvPr/>
+        </p:nvSpPr>
+        <p:spPr>
+          <a:xfrm>
+            <a:off x="1480804" y="1108600"/>
+            <a:ext cx="9356913" cy="5118386"/>
+          </a:xfrm>
+          <a:prstGeom prst="rect">
+            <a:avLst/>
+          </a:prstGeom>
+          <a:noFill/>
+          <a:ln w="12700">
+            <a:solidFill>
+              <a:srgbClr val="1E8900"/>
+            </a:solidFill>
+          </a:ln>
+        </p:spPr>
+        <p:style>
+          <a:lnRef idx="2">
+            <a:schemeClr val="accent1">
+              <a:shade val="50000"/>
+            </a:schemeClr>
+          </a:lnRef>
+          <a:fillRef idx="1">
+            <a:schemeClr val="accent1"/>
+          </a:fillRef>
+          <a:effectRef idx="0">
+            <a:schemeClr val="accent1"/>
+          </a:effectRef>
+          <a:fontRef idx="minor">
+            <a:schemeClr val="lt1"/>
+          </a:fontRef>
+        </p:style>
+        <p:txBody>
+          <a:bodyPr lIns="502920" tIns="91440"/>
+          <a:lstStyle/>
+          <a:p>
+            <a:pPr eaLnBrk="1" fontAlgn="auto" hangingPunct="1">
+              <a:spcBef>
+                <a:spcPts val="0"/>
+              </a:spcBef>
+              <a:spcAft>
+                <a:spcPts val="0"/>
+              </a:spcAft>
+              <a:defRPr/>
+            </a:pPr>
+            <a:r>
+              <a:rPr lang="en-US" sz="1200" dirty="0">
+                <a:ln w="0"/>
+                <a:solidFill>
+                  <a:srgbClr val="1E8900"/>
+                </a:solidFill>
+                <a:latin typeface="Arial" panose="020B0604020202020204" pitchFamily="34" charset="0"/>
+                <a:cs typeface="Arial" panose="020B0604020202020204" pitchFamily="34" charset="0"/>
+              </a:rPr>
+              <a:t>VPC</a:t>
+            </a:r>
+          </a:p>
+        </p:txBody>
+      </p:sp>
+      <p:pic>
+        <p:nvPicPr>
+          <p:cNvPr id="13" name="Graphic 12">
+            <a:extLst>
+              <a:ext uri="{FF2B5EF4-FFF2-40B4-BE49-F238E27FC236}">
+                <a16:creationId xmlns:a16="http://schemas.microsoft.com/office/drawing/2014/main" id="{9AD1B570-C566-49E1-81A7-DF5FB65408C0}"/>
+              </a:ext>
+            </a:extLst>
+          </p:cNvPr>
+          <p:cNvPicPr>
+            <a:picLocks noChangeAspect="1"/>
+          </p:cNvPicPr>
+          <p:nvPr/>
+        </p:nvPicPr>
+        <p:blipFill>
+          <a:blip r:embed="rId6">
+            <a:extLst>
+              <a:ext uri="{96DAC541-7B7A-43D3-8B79-37D633B846F1}">
+                <asvg:svgBlip xmlns:asvg="http://schemas.microsoft.com/office/drawing/2016/SVG/main" r:embed="rId7"/>
+              </a:ext>
+            </a:extLst>
+          </a:blip>
+          <a:stretch>
+            <a:fillRect/>
+          </a:stretch>
+        </p:blipFill>
+        <p:spPr>
+          <a:xfrm>
+            <a:off x="1480805" y="1110188"/>
+            <a:ext cx="381000" cy="381000"/>
+          </a:xfrm>
+          <a:prstGeom prst="rect">
+            <a:avLst/>
+          </a:prstGeom>
+        </p:spPr>
+      </p:pic>
+      <p:sp>
+        <p:nvSpPr>
+          <p:cNvPr id="16" name="Rectangle 32">
+            <a:extLst>
+              <a:ext uri="{FF2B5EF4-FFF2-40B4-BE49-F238E27FC236}">
+                <a16:creationId xmlns:a16="http://schemas.microsoft.com/office/drawing/2014/main" id="{FDD0803E-CA2C-4BB9-BAB8-92077C2FF8E0}"/>
+              </a:ext>
+            </a:extLst>
+          </p:cNvPr>
+          <p:cNvSpPr/>
+          <p:nvPr/>
+        </p:nvSpPr>
+        <p:spPr>
+          <a:xfrm>
+            <a:off x="1861805" y="1737448"/>
+            <a:ext cx="2059564" cy="2002561"/>
+          </a:xfrm>
+          <a:prstGeom prst="rect">
+            <a:avLst/>
+          </a:prstGeom>
+          <a:solidFill>
+            <a:srgbClr val="1D8900">
+              <a:alpha val="9804"/>
+            </a:srgbClr>
+          </a:solidFill>
+          <a:ln w="12700">
+            <a:noFill/>
+            <a:prstDash val="dash"/>
+          </a:ln>
+        </p:spPr>
+        <p:style>
+          <a:lnRef idx="2">
+            <a:schemeClr val="accent1">
+              <a:shade val="50000"/>
+            </a:schemeClr>
+          </a:lnRef>
+          <a:fillRef idx="1">
+            <a:schemeClr val="accent1"/>
+          </a:fillRef>
+          <a:effectRef idx="0">
+            <a:schemeClr val="accent1"/>
+          </a:effectRef>
+          <a:fontRef idx="minor">
+            <a:schemeClr val="lt1"/>
+          </a:fontRef>
+        </p:style>
+        <p:txBody>
+          <a:bodyPr lIns="502920"/>
+          <a:lstStyle/>
+          <a:p>
+            <a:pPr eaLnBrk="1" fontAlgn="auto" hangingPunct="1">
+              <a:spcBef>
+                <a:spcPts val="0"/>
+              </a:spcBef>
+              <a:spcAft>
+                <a:spcPts val="0"/>
+              </a:spcAft>
+              <a:defRPr/>
+            </a:pPr>
+            <a:r>
+              <a:rPr lang="en-US" sz="1200" dirty="0">
+                <a:solidFill>
+                  <a:srgbClr val="1E8900"/>
+                </a:solidFill>
+                <a:latin typeface="Arial" panose="020B0604020202020204" pitchFamily="34" charset="0"/>
+                <a:cs typeface="Arial" panose="020B0604020202020204" pitchFamily="34" charset="0"/>
+              </a:rPr>
+              <a:t>Public subnet</a:t>
+            </a:r>
+          </a:p>
+        </p:txBody>
+      </p:sp>
+      <p:pic>
+        <p:nvPicPr>
+          <p:cNvPr id="17" name="Graphic 16">
+            <a:extLst>
+              <a:ext uri="{FF2B5EF4-FFF2-40B4-BE49-F238E27FC236}">
+                <a16:creationId xmlns:a16="http://schemas.microsoft.com/office/drawing/2014/main" id="{774EFCEC-0846-4162-9E5C-A6D6B72F6AD9}"/>
+              </a:ext>
+            </a:extLst>
+          </p:cNvPr>
+          <p:cNvPicPr>
+            <a:picLocks noChangeAspect="1"/>
+          </p:cNvPicPr>
+          <p:nvPr/>
+        </p:nvPicPr>
+        <p:blipFill>
+          <a:blip r:embed="rId8">
+            <a:extLst>
+              <a:ext uri="{96DAC541-7B7A-43D3-8B79-37D633B846F1}">
+                <asvg:svgBlip xmlns:asvg="http://schemas.microsoft.com/office/drawing/2016/SVG/main" r:embed="rId9"/>
+              </a:ext>
+            </a:extLst>
+          </a:blip>
+          <a:stretch>
+            <a:fillRect/>
+          </a:stretch>
+        </p:blipFill>
+        <p:spPr>
+          <a:xfrm>
+            <a:off x="1862440" y="1739037"/>
+            <a:ext cx="381000" cy="381000"/>
+          </a:xfrm>
+          <a:prstGeom prst="rect">
+            <a:avLst/>
+          </a:prstGeom>
+        </p:spPr>
+      </p:pic>
+      <p:sp>
+        <p:nvSpPr>
+          <p:cNvPr id="19" name="Rectangle 32">
+            <a:extLst>
+              <a:ext uri="{FF2B5EF4-FFF2-40B4-BE49-F238E27FC236}">
+                <a16:creationId xmlns:a16="http://schemas.microsoft.com/office/drawing/2014/main" id="{AC907698-69A0-44D4-BC0A-6D45EDF07CC2}"/>
+              </a:ext>
+            </a:extLst>
+          </p:cNvPr>
+          <p:cNvSpPr/>
+          <p:nvPr/>
+        </p:nvSpPr>
+        <p:spPr>
+          <a:xfrm>
+            <a:off x="5146431" y="1737448"/>
+            <a:ext cx="2059564" cy="2002561"/>
+          </a:xfrm>
+          <a:prstGeom prst="rect">
+            <a:avLst/>
+          </a:prstGeom>
+          <a:solidFill>
+            <a:srgbClr val="1D8900">
+              <a:alpha val="9804"/>
+            </a:srgbClr>
+          </a:solidFill>
+          <a:ln w="12700">
+            <a:noFill/>
+            <a:prstDash val="dash"/>
+          </a:ln>
+        </p:spPr>
+        <p:style>
+          <a:lnRef idx="2">
+            <a:schemeClr val="accent1">
+              <a:shade val="50000"/>
+            </a:schemeClr>
+          </a:lnRef>
+          <a:fillRef idx="1">
+            <a:schemeClr val="accent1"/>
+          </a:fillRef>
+          <a:effectRef idx="0">
+            <a:schemeClr val="accent1"/>
+          </a:effectRef>
+          <a:fontRef idx="minor">
+            <a:schemeClr val="lt1"/>
+          </a:fontRef>
+        </p:style>
+        <p:txBody>
+          <a:bodyPr lIns="502920"/>
+          <a:lstStyle/>
+          <a:p>
+            <a:pPr eaLnBrk="1" fontAlgn="auto" hangingPunct="1">
+              <a:spcBef>
+                <a:spcPts val="0"/>
+              </a:spcBef>
+              <a:spcAft>
+                <a:spcPts val="0"/>
+              </a:spcAft>
+              <a:defRPr/>
+            </a:pPr>
+            <a:r>
+              <a:rPr lang="en-US" sz="1200" dirty="0">
+                <a:solidFill>
+                  <a:srgbClr val="1E8900"/>
+                </a:solidFill>
+                <a:latin typeface="Arial" panose="020B0604020202020204" pitchFamily="34" charset="0"/>
+                <a:cs typeface="Arial" panose="020B0604020202020204" pitchFamily="34" charset="0"/>
+              </a:rPr>
+              <a:t>Public subnet</a:t>
+            </a:r>
+          </a:p>
+        </p:txBody>
+      </p:sp>
+      <p:pic>
+        <p:nvPicPr>
+          <p:cNvPr id="20" name="Graphic 19">
+            <a:extLst>
+              <a:ext uri="{FF2B5EF4-FFF2-40B4-BE49-F238E27FC236}">
+                <a16:creationId xmlns:a16="http://schemas.microsoft.com/office/drawing/2014/main" id="{C37697DB-DD95-44F3-9627-73A04C8BE83C}"/>
+              </a:ext>
+            </a:extLst>
+          </p:cNvPr>
+          <p:cNvPicPr>
+            <a:picLocks noChangeAspect="1"/>
+          </p:cNvPicPr>
+          <p:nvPr/>
+        </p:nvPicPr>
+        <p:blipFill>
+          <a:blip r:embed="rId8">
+            <a:extLst>
+              <a:ext uri="{96DAC541-7B7A-43D3-8B79-37D633B846F1}">
+                <asvg:svgBlip xmlns:asvg="http://schemas.microsoft.com/office/drawing/2016/SVG/main" r:embed="rId9"/>
+              </a:ext>
+            </a:extLst>
+          </a:blip>
+          <a:stretch>
+            <a:fillRect/>
+          </a:stretch>
+        </p:blipFill>
+        <p:spPr>
+          <a:xfrm>
+            <a:off x="5147066" y="1739037"/>
+            <a:ext cx="381000" cy="381000"/>
+          </a:xfrm>
+          <a:prstGeom prst="rect">
+            <a:avLst/>
+          </a:prstGeom>
+        </p:spPr>
+      </p:pic>
+      <p:sp>
+        <p:nvSpPr>
+          <p:cNvPr id="21" name="Rectangle 32">
+            <a:extLst>
+              <a:ext uri="{FF2B5EF4-FFF2-40B4-BE49-F238E27FC236}">
+                <a16:creationId xmlns:a16="http://schemas.microsoft.com/office/drawing/2014/main" id="{C66AD909-32BB-40CD-A329-C58AAB057A34}"/>
+              </a:ext>
+            </a:extLst>
+          </p:cNvPr>
+          <p:cNvSpPr/>
+          <p:nvPr/>
+        </p:nvSpPr>
+        <p:spPr>
+          <a:xfrm>
+            <a:off x="8428893" y="1737448"/>
+            <a:ext cx="2059564" cy="2002561"/>
+          </a:xfrm>
+          <a:prstGeom prst="rect">
+            <a:avLst/>
+          </a:prstGeom>
+          <a:solidFill>
+            <a:srgbClr val="1D8900">
+              <a:alpha val="9804"/>
+            </a:srgbClr>
+          </a:solidFill>
+          <a:ln w="12700">
+            <a:noFill/>
+            <a:prstDash val="dash"/>
+          </a:ln>
+        </p:spPr>
+        <p:style>
+          <a:lnRef idx="2">
+            <a:schemeClr val="accent1">
+              <a:shade val="50000"/>
+            </a:schemeClr>
+          </a:lnRef>
+          <a:fillRef idx="1">
+            <a:schemeClr val="accent1"/>
+          </a:fillRef>
+          <a:effectRef idx="0">
+            <a:schemeClr val="accent1"/>
+          </a:effectRef>
+          <a:fontRef idx="minor">
+            <a:schemeClr val="lt1"/>
+          </a:fontRef>
+        </p:style>
+        <p:txBody>
+          <a:bodyPr lIns="502920"/>
+          <a:lstStyle/>
+          <a:p>
+            <a:pPr eaLnBrk="1" fontAlgn="auto" hangingPunct="1">
+              <a:spcBef>
+                <a:spcPts val="0"/>
+              </a:spcBef>
+              <a:spcAft>
+                <a:spcPts val="0"/>
+              </a:spcAft>
+              <a:defRPr/>
+            </a:pPr>
+            <a:r>
+              <a:rPr lang="en-US" sz="1200" dirty="0">
+                <a:solidFill>
+                  <a:srgbClr val="1E8900"/>
+                </a:solidFill>
+                <a:latin typeface="Arial" panose="020B0604020202020204" pitchFamily="34" charset="0"/>
+                <a:cs typeface="Arial" panose="020B0604020202020204" pitchFamily="34" charset="0"/>
+              </a:rPr>
+              <a:t>Public subnet</a:t>
+            </a:r>
+          </a:p>
+        </p:txBody>
+      </p:sp>
+      <p:pic>
+        <p:nvPicPr>
+          <p:cNvPr id="22" name="Graphic 21">
+            <a:extLst>
+              <a:ext uri="{FF2B5EF4-FFF2-40B4-BE49-F238E27FC236}">
+                <a16:creationId xmlns:a16="http://schemas.microsoft.com/office/drawing/2014/main" id="{7A211FA5-A99D-441E-A44D-013A7B091A62}"/>
+              </a:ext>
+            </a:extLst>
+          </p:cNvPr>
+          <p:cNvPicPr>
+            <a:picLocks noChangeAspect="1"/>
+          </p:cNvPicPr>
+          <p:nvPr/>
+        </p:nvPicPr>
+        <p:blipFill>
+          <a:blip r:embed="rId8">
+            <a:extLst>
+              <a:ext uri="{96DAC541-7B7A-43D3-8B79-37D633B846F1}">
+                <asvg:svgBlip xmlns:asvg="http://schemas.microsoft.com/office/drawing/2016/SVG/main" r:embed="rId9"/>
+              </a:ext>
+            </a:extLst>
+          </a:blip>
+          <a:stretch>
+            <a:fillRect/>
+          </a:stretch>
+        </p:blipFill>
+        <p:spPr>
+          <a:xfrm>
+            <a:off x="8429528" y="1739037"/>
+            <a:ext cx="381000" cy="381000"/>
+          </a:xfrm>
+          <a:prstGeom prst="rect">
+            <a:avLst/>
+          </a:prstGeom>
+        </p:spPr>
+      </p:pic>
+      <p:sp>
+        <p:nvSpPr>
+          <p:cNvPr id="18" name="Rectangle 7">
+            <a:extLst>
+              <a:ext uri="{FF2B5EF4-FFF2-40B4-BE49-F238E27FC236}">
+                <a16:creationId xmlns:a16="http://schemas.microsoft.com/office/drawing/2014/main" id="{ED41A29F-D405-4F08-A85B-38B1F8F9992D}"/>
+              </a:ext>
+            </a:extLst>
+          </p:cNvPr>
+          <p:cNvSpPr/>
+          <p:nvPr/>
+        </p:nvSpPr>
+        <p:spPr>
+          <a:xfrm>
+            <a:off x="1891879" y="3989390"/>
+            <a:ext cx="2059564" cy="2033340"/>
+          </a:xfrm>
+          <a:prstGeom prst="rect">
+            <a:avLst/>
+          </a:prstGeom>
+          <a:solidFill>
+            <a:srgbClr val="007CBC">
+              <a:alpha val="9804"/>
+            </a:srgbClr>
+          </a:solidFill>
+          <a:ln w="12700">
+            <a:noFill/>
+            <a:prstDash val="dash"/>
+          </a:ln>
+        </p:spPr>
+        <p:style>
+          <a:lnRef idx="2">
+            <a:schemeClr val="accent1">
+              <a:shade val="50000"/>
+            </a:schemeClr>
+          </a:lnRef>
+          <a:fillRef idx="1">
+            <a:schemeClr val="accent1"/>
+          </a:fillRef>
+          <a:effectRef idx="0">
+            <a:schemeClr val="accent1"/>
+          </a:effectRef>
+          <a:fontRef idx="minor">
+            <a:schemeClr val="lt1"/>
+          </a:fontRef>
+        </p:style>
+        <p:txBody>
+          <a:bodyPr lIns="502920"/>
+          <a:lstStyle/>
+          <a:p>
+            <a:pPr eaLnBrk="1" fontAlgn="auto" hangingPunct="1">
+              <a:spcBef>
+                <a:spcPts val="0"/>
+              </a:spcBef>
+              <a:spcAft>
+                <a:spcPts val="0"/>
+              </a:spcAft>
+              <a:defRPr/>
+            </a:pPr>
+            <a:r>
+              <a:rPr lang="en-US" sz="1200" dirty="0">
+                <a:solidFill>
+                  <a:srgbClr val="5B9CD5"/>
+                </a:solidFill>
+                <a:latin typeface="Arial" panose="020B0604020202020204" pitchFamily="34" charset="0"/>
+                <a:cs typeface="Arial" panose="020B0604020202020204" pitchFamily="34" charset="0"/>
+              </a:rPr>
+              <a:t>Private subnet</a:t>
+            </a:r>
+          </a:p>
+        </p:txBody>
+      </p:sp>
+      <p:pic>
+        <p:nvPicPr>
+          <p:cNvPr id="23" name="Graphic 22">
+            <a:extLst>
+              <a:ext uri="{FF2B5EF4-FFF2-40B4-BE49-F238E27FC236}">
+                <a16:creationId xmlns:a16="http://schemas.microsoft.com/office/drawing/2014/main" id="{81C649A8-2CD2-4F69-90D9-17E4BBC4E8D4}"/>
+              </a:ext>
+            </a:extLst>
+          </p:cNvPr>
+          <p:cNvPicPr>
+            <a:picLocks noChangeAspect="1"/>
+          </p:cNvPicPr>
+          <p:nvPr/>
+        </p:nvPicPr>
+        <p:blipFill>
+          <a:blip r:embed="rId10">
+            <a:extLst>
+              <a:ext uri="{96DAC541-7B7A-43D3-8B79-37D633B846F1}">
+                <asvg:svgBlip xmlns:asvg="http://schemas.microsoft.com/office/drawing/2016/SVG/main" r:embed="rId11"/>
+              </a:ext>
+            </a:extLst>
+          </a:blip>
+          <a:stretch>
+            <a:fillRect/>
+          </a:stretch>
+        </p:blipFill>
+        <p:spPr>
+          <a:xfrm>
+            <a:off x="1896641" y="3990978"/>
+            <a:ext cx="381000" cy="381000"/>
+          </a:xfrm>
+          <a:prstGeom prst="rect">
+            <a:avLst/>
+          </a:prstGeom>
+        </p:spPr>
+      </p:pic>
+      <p:sp>
+        <p:nvSpPr>
+          <p:cNvPr id="25" name="Rectangle 7">
+            <a:extLst>
+              <a:ext uri="{FF2B5EF4-FFF2-40B4-BE49-F238E27FC236}">
+                <a16:creationId xmlns:a16="http://schemas.microsoft.com/office/drawing/2014/main" id="{7C83434A-6C38-4D60-999E-4D4F388383BD}"/>
+              </a:ext>
+            </a:extLst>
+          </p:cNvPr>
+          <p:cNvSpPr/>
+          <p:nvPr/>
+        </p:nvSpPr>
+        <p:spPr>
+          <a:xfrm>
+            <a:off x="5176505" y="3989390"/>
+            <a:ext cx="2059564" cy="2033340"/>
+          </a:xfrm>
+          <a:prstGeom prst="rect">
+            <a:avLst/>
+          </a:prstGeom>
+          <a:solidFill>
+            <a:srgbClr val="007CBC">
+              <a:alpha val="9804"/>
+            </a:srgbClr>
+          </a:solidFill>
+          <a:ln w="12700">
+            <a:noFill/>
+            <a:prstDash val="dash"/>
+          </a:ln>
+        </p:spPr>
+        <p:style>
+          <a:lnRef idx="2">
+            <a:schemeClr val="accent1">
+              <a:shade val="50000"/>
+            </a:schemeClr>
+          </a:lnRef>
+          <a:fillRef idx="1">
+            <a:schemeClr val="accent1"/>
+          </a:fillRef>
+          <a:effectRef idx="0">
+            <a:schemeClr val="accent1"/>
+          </a:effectRef>
+          <a:fontRef idx="minor">
+            <a:schemeClr val="lt1"/>
+          </a:fontRef>
+        </p:style>
+        <p:txBody>
+          <a:bodyPr lIns="502920"/>
+          <a:lstStyle/>
+          <a:p>
+            <a:pPr eaLnBrk="1" fontAlgn="auto" hangingPunct="1">
+              <a:spcBef>
+                <a:spcPts val="0"/>
+              </a:spcBef>
+              <a:spcAft>
+                <a:spcPts val="0"/>
+              </a:spcAft>
+              <a:defRPr/>
+            </a:pPr>
+            <a:r>
+              <a:rPr lang="en-US" sz="1200" dirty="0">
+                <a:solidFill>
+                  <a:srgbClr val="5B9CD5"/>
+                </a:solidFill>
+                <a:latin typeface="Arial" panose="020B0604020202020204" pitchFamily="34" charset="0"/>
+                <a:cs typeface="Arial" panose="020B0604020202020204" pitchFamily="34" charset="0"/>
+              </a:rPr>
+              <a:t>Private subnet</a:t>
+            </a:r>
+          </a:p>
+        </p:txBody>
+      </p:sp>
+      <p:pic>
+        <p:nvPicPr>
+          <p:cNvPr id="26" name="Graphic 25">
+            <a:extLst>
+              <a:ext uri="{FF2B5EF4-FFF2-40B4-BE49-F238E27FC236}">
+                <a16:creationId xmlns:a16="http://schemas.microsoft.com/office/drawing/2014/main" id="{882C46A4-706F-4279-9B44-6ED37CC99CA9}"/>
+              </a:ext>
+            </a:extLst>
+          </p:cNvPr>
+          <p:cNvPicPr>
+            <a:picLocks noChangeAspect="1"/>
+          </p:cNvPicPr>
+          <p:nvPr/>
+        </p:nvPicPr>
+        <p:blipFill>
+          <a:blip r:embed="rId10">
+            <a:extLst>
+              <a:ext uri="{96DAC541-7B7A-43D3-8B79-37D633B846F1}">
+                <asvg:svgBlip xmlns:asvg="http://schemas.microsoft.com/office/drawing/2016/SVG/main" r:embed="rId11"/>
+              </a:ext>
+            </a:extLst>
+          </a:blip>
+          <a:stretch>
+            <a:fillRect/>
+          </a:stretch>
+        </p:blipFill>
+        <p:spPr>
+          <a:xfrm>
+            <a:off x="5181267" y="3990978"/>
+            <a:ext cx="381000" cy="381000"/>
+          </a:xfrm>
+          <a:prstGeom prst="rect">
+            <a:avLst/>
+          </a:prstGeom>
+        </p:spPr>
+      </p:pic>
+      <p:sp>
+        <p:nvSpPr>
+          <p:cNvPr id="27" name="Rectangle 7">
+            <a:extLst>
+              <a:ext uri="{FF2B5EF4-FFF2-40B4-BE49-F238E27FC236}">
+                <a16:creationId xmlns:a16="http://schemas.microsoft.com/office/drawing/2014/main" id="{4184D772-6073-4160-B019-D3BBA08A34D1}"/>
+              </a:ext>
+            </a:extLst>
+          </p:cNvPr>
+          <p:cNvSpPr/>
+          <p:nvPr/>
+        </p:nvSpPr>
+        <p:spPr>
+          <a:xfrm>
+            <a:off x="8458967" y="3989390"/>
+            <a:ext cx="2059564" cy="2033340"/>
+          </a:xfrm>
+          <a:prstGeom prst="rect">
+            <a:avLst/>
+          </a:prstGeom>
+          <a:solidFill>
+            <a:srgbClr val="007CBC">
+              <a:alpha val="9804"/>
+            </a:srgbClr>
+          </a:solidFill>
+          <a:ln w="12700">
+            <a:noFill/>
+            <a:prstDash val="dash"/>
+          </a:ln>
+        </p:spPr>
+        <p:style>
+          <a:lnRef idx="2">
+            <a:schemeClr val="accent1">
+              <a:shade val="50000"/>
+            </a:schemeClr>
+          </a:lnRef>
+          <a:fillRef idx="1">
+            <a:schemeClr val="accent1"/>
+          </a:fillRef>
+          <a:effectRef idx="0">
+            <a:schemeClr val="accent1"/>
+          </a:effectRef>
+          <a:fontRef idx="minor">
+            <a:schemeClr val="lt1"/>
+          </a:fontRef>
+        </p:style>
+        <p:txBody>
+          <a:bodyPr lIns="502920"/>
+          <a:lstStyle/>
+          <a:p>
+            <a:pPr eaLnBrk="1" fontAlgn="auto" hangingPunct="1">
+              <a:spcBef>
+                <a:spcPts val="0"/>
+              </a:spcBef>
+              <a:spcAft>
+                <a:spcPts val="0"/>
+              </a:spcAft>
+              <a:defRPr/>
+            </a:pPr>
+            <a:r>
+              <a:rPr lang="en-US" sz="1200" dirty="0">
+                <a:solidFill>
+                  <a:srgbClr val="5B9CD5"/>
+                </a:solidFill>
+                <a:latin typeface="Arial" panose="020B0604020202020204" pitchFamily="34" charset="0"/>
+                <a:cs typeface="Arial" panose="020B0604020202020204" pitchFamily="34" charset="0"/>
+              </a:rPr>
+              <a:t>Private subnet</a:t>
+            </a:r>
+          </a:p>
+        </p:txBody>
+      </p:sp>
+      <p:pic>
+        <p:nvPicPr>
+          <p:cNvPr id="28" name="Graphic 27">
+            <a:extLst>
+              <a:ext uri="{FF2B5EF4-FFF2-40B4-BE49-F238E27FC236}">
+                <a16:creationId xmlns:a16="http://schemas.microsoft.com/office/drawing/2014/main" id="{E08F8430-F87B-4B07-B1E3-26F9C1A92B07}"/>
+              </a:ext>
+            </a:extLst>
+          </p:cNvPr>
+          <p:cNvPicPr>
+            <a:picLocks noChangeAspect="1"/>
+          </p:cNvPicPr>
+          <p:nvPr/>
+        </p:nvPicPr>
+        <p:blipFill>
+          <a:blip r:embed="rId10">
+            <a:extLst>
+              <a:ext uri="{96DAC541-7B7A-43D3-8B79-37D633B846F1}">
+                <asvg:svgBlip xmlns:asvg="http://schemas.microsoft.com/office/drawing/2016/SVG/main" r:embed="rId11"/>
+              </a:ext>
+            </a:extLst>
+          </a:blip>
+          <a:stretch>
+            <a:fillRect/>
+          </a:stretch>
+        </p:blipFill>
+        <p:spPr>
+          <a:xfrm>
+            <a:off x="8463729" y="3990978"/>
+            <a:ext cx="381000" cy="381000"/>
+          </a:xfrm>
+          <a:prstGeom prst="rect">
+            <a:avLst/>
+          </a:prstGeom>
+        </p:spPr>
+      </p:pic>
+    </p:spTree>
+    <p:extLst>
+      <p:ext uri="{BB962C8B-B14F-4D97-AF65-F5344CB8AC3E}">
+        <p14:creationId xmlns:p14="http://schemas.microsoft.com/office/powerpoint/2010/main" val="570114681"/>
+      </p:ext>
+    </p:extLst>
+  </p:cSld>
+  <p:clrMapOvr>
+    <a:masterClrMapping/>
+  </p:clrMapOvr>
+</p:sld>
+</file>
+
+<file path=ppt/slides/slide6.xml><?xml version="1.0" encoding="utf-8"?>
+<p:sld xmlns:a="http://schemas.openxmlformats.org/drawingml/2006/main" xmlns:r="http://schemas.openxmlformats.org/officeDocument/2006/relationships" xmlns:p="http://schemas.openxmlformats.org/presentationml/2006/main">
+  <p:cSld>
+    <p:spTree>
+      <p:nvGrpSpPr>
+        <p:cNvPr id="1" name=""/>
+        <p:cNvGrpSpPr/>
+        <p:nvPr/>
+      </p:nvGrpSpPr>
+      <p:grpSpPr>
+        <a:xfrm>
+          <a:off x="0" y="0"/>
+          <a:ext cx="0" cy="0"/>
+          <a:chOff x="0" y="0"/>
+          <a:chExt cx="0" cy="0"/>
+        </a:xfrm>
+      </p:grpSpPr>
+      <p:sp>
+        <p:nvSpPr>
+          <p:cNvPr id="12" name="Rectangle 6">
+            <a:extLst>
+              <a:ext uri="{FF2B5EF4-FFF2-40B4-BE49-F238E27FC236}">
+                <a16:creationId xmlns:a16="http://schemas.microsoft.com/office/drawing/2014/main" id="{AD45831E-B092-44BD-BF17-0D15E4069241}"/>
+              </a:ext>
+            </a:extLst>
+          </p:cNvPr>
+          <p:cNvSpPr/>
+          <p:nvPr/>
+        </p:nvSpPr>
+        <p:spPr>
+          <a:xfrm>
+            <a:off x="381001" y="309416"/>
+            <a:ext cx="11429999" cy="6161721"/>
+          </a:xfrm>
+          <a:prstGeom prst="rect">
+            <a:avLst/>
+          </a:prstGeom>
+          <a:noFill/>
+          <a:ln w="12700">
+            <a:solidFill>
+              <a:srgbClr val="1E8900"/>
+            </a:solidFill>
+          </a:ln>
+        </p:spPr>
+        <p:style>
+          <a:lnRef idx="2">
+            <a:schemeClr val="accent1">
+              <a:shade val="50000"/>
+            </a:schemeClr>
+          </a:lnRef>
+          <a:fillRef idx="1">
+            <a:schemeClr val="accent1"/>
+          </a:fillRef>
+          <a:effectRef idx="0">
+            <a:schemeClr val="accent1"/>
+          </a:effectRef>
+          <a:fontRef idx="minor">
+            <a:schemeClr val="lt1"/>
+          </a:fontRef>
+        </p:style>
+        <p:txBody>
+          <a:bodyPr lIns="502920" tIns="91440"/>
+          <a:lstStyle/>
+          <a:p>
+            <a:pPr eaLnBrk="1" fontAlgn="auto" hangingPunct="1">
+              <a:spcBef>
+                <a:spcPts val="0"/>
+              </a:spcBef>
+              <a:spcAft>
+                <a:spcPts val="0"/>
+              </a:spcAft>
+              <a:defRPr/>
+            </a:pPr>
+            <a:r>
+              <a:rPr lang="en-US" sz="1200" dirty="0">
+                <a:ln w="0"/>
+                <a:solidFill>
+                  <a:srgbClr val="1E8900"/>
+                </a:solidFill>
+                <a:latin typeface="Arial" panose="020B0604020202020204" pitchFamily="34" charset="0"/>
+                <a:cs typeface="Arial" panose="020B0604020202020204" pitchFamily="34" charset="0"/>
+              </a:rPr>
+              <a:t>VPC</a:t>
+            </a:r>
+          </a:p>
+        </p:txBody>
+      </p:sp>
+      <p:pic>
+        <p:nvPicPr>
+          <p:cNvPr id="13" name="Graphic 12">
+            <a:extLst>
+              <a:ext uri="{FF2B5EF4-FFF2-40B4-BE49-F238E27FC236}">
+                <a16:creationId xmlns:a16="http://schemas.microsoft.com/office/drawing/2014/main" id="{9AD1B570-C566-49E1-81A7-DF5FB65408C0}"/>
+              </a:ext>
+            </a:extLst>
+          </p:cNvPr>
+          <p:cNvPicPr>
+            <a:picLocks noChangeAspect="1"/>
+          </p:cNvPicPr>
+          <p:nvPr/>
+        </p:nvPicPr>
+        <p:blipFill>
+          <a:blip r:embed="rId2">
+            <a:extLst>
+              <a:ext uri="{96DAC541-7B7A-43D3-8B79-37D633B846F1}">
+                <asvg:svgBlip xmlns:asvg="http://schemas.microsoft.com/office/drawing/2016/SVG/main" r:embed="rId3"/>
+              </a:ext>
+            </a:extLst>
+          </a:blip>
+          <a:stretch>
+            <a:fillRect/>
+          </a:stretch>
+        </p:blipFill>
+        <p:spPr>
+          <a:xfrm>
+            <a:off x="381000" y="309416"/>
+            <a:ext cx="458663" cy="458663"/>
+          </a:xfrm>
+          <a:prstGeom prst="rect">
+            <a:avLst/>
+          </a:prstGeom>
+        </p:spPr>
+      </p:pic>
+      <p:sp>
+        <p:nvSpPr>
+          <p:cNvPr id="16" name="Rectangle 32">
+            <a:extLst>
+              <a:ext uri="{FF2B5EF4-FFF2-40B4-BE49-F238E27FC236}">
+                <a16:creationId xmlns:a16="http://schemas.microsoft.com/office/drawing/2014/main" id="{FDD0803E-CA2C-4BB9-BAB8-92077C2FF8E0}"/>
+              </a:ext>
+            </a:extLst>
+          </p:cNvPr>
+          <p:cNvSpPr/>
+          <p:nvPr/>
+        </p:nvSpPr>
+        <p:spPr>
+          <a:xfrm>
+            <a:off x="839663" y="768079"/>
+            <a:ext cx="3077307" cy="2553825"/>
+          </a:xfrm>
+          <a:prstGeom prst="rect">
+            <a:avLst/>
+          </a:prstGeom>
+          <a:solidFill>
+            <a:srgbClr val="1D8900">
+              <a:alpha val="9804"/>
+            </a:srgbClr>
+          </a:solidFill>
+          <a:ln w="12700">
+            <a:noFill/>
+            <a:prstDash val="dash"/>
+          </a:ln>
+        </p:spPr>
+        <p:style>
+          <a:lnRef idx="2">
+            <a:schemeClr val="accent1">
+              <a:shade val="50000"/>
+            </a:schemeClr>
+          </a:lnRef>
+          <a:fillRef idx="1">
+            <a:schemeClr val="accent1"/>
+          </a:fillRef>
+          <a:effectRef idx="0">
+            <a:schemeClr val="accent1"/>
+          </a:effectRef>
+          <a:fontRef idx="minor">
+            <a:schemeClr val="lt1"/>
+          </a:fontRef>
+        </p:style>
+        <p:txBody>
+          <a:bodyPr lIns="502920"/>
+          <a:lstStyle/>
+          <a:p>
+            <a:r>
+              <a:rPr lang="en-US" sz="1200">
+                <a:solidFill>
+                  <a:srgbClr val="1E8900"/>
+                </a:solidFill>
+                <a:latin typeface="Arial" panose="020B0604020202020204" pitchFamily="34" charset="0"/>
+                <a:cs typeface="Arial" panose="020B0604020202020204" pitchFamily="34" charset="0"/>
+              </a:rPr>
+              <a:t>Public subnet</a:t>
+            </a:r>
+            <a:endParaRPr lang="en-US" sz="1200" dirty="0">
+              <a:solidFill>
+                <a:srgbClr val="1E8900"/>
+              </a:solidFill>
+              <a:latin typeface="Arial" panose="020B0604020202020204" pitchFamily="34" charset="0"/>
+              <a:cs typeface="Arial" panose="020B0604020202020204" pitchFamily="34" charset="0"/>
+            </a:endParaRPr>
+          </a:p>
+        </p:txBody>
+      </p:sp>
+      <p:pic>
+        <p:nvPicPr>
+          <p:cNvPr id="17" name="Graphic 16">
+            <a:extLst>
+              <a:ext uri="{FF2B5EF4-FFF2-40B4-BE49-F238E27FC236}">
+                <a16:creationId xmlns:a16="http://schemas.microsoft.com/office/drawing/2014/main" id="{774EFCEC-0846-4162-9E5C-A6D6B72F6AD9}"/>
+              </a:ext>
+            </a:extLst>
+          </p:cNvPr>
+          <p:cNvPicPr>
+            <a:picLocks noChangeAspect="1"/>
+          </p:cNvPicPr>
+          <p:nvPr/>
+        </p:nvPicPr>
+        <p:blipFill>
+          <a:blip r:embed="rId4">
+            <a:extLst>
+              <a:ext uri="{96DAC541-7B7A-43D3-8B79-37D633B846F1}">
+                <asvg:svgBlip xmlns:asvg="http://schemas.microsoft.com/office/drawing/2016/SVG/main" r:embed="rId5"/>
+              </a:ext>
+            </a:extLst>
+          </a:blip>
+          <a:stretch>
+            <a:fillRect/>
+          </a:stretch>
+        </p:blipFill>
+        <p:spPr>
+          <a:xfrm>
+            <a:off x="839663" y="771256"/>
+            <a:ext cx="381000" cy="381000"/>
+          </a:xfrm>
+          <a:prstGeom prst="rect">
+            <a:avLst/>
+          </a:prstGeom>
+        </p:spPr>
+      </p:pic>
+      <p:sp>
+        <p:nvSpPr>
+          <p:cNvPr id="19" name="Rectangle 32">
+            <a:extLst>
+              <a:ext uri="{FF2B5EF4-FFF2-40B4-BE49-F238E27FC236}">
+                <a16:creationId xmlns:a16="http://schemas.microsoft.com/office/drawing/2014/main" id="{AC907698-69A0-44D4-BC0A-6D45EDF07CC2}"/>
+              </a:ext>
+            </a:extLst>
+          </p:cNvPr>
+          <p:cNvSpPr/>
+          <p:nvPr/>
+        </p:nvSpPr>
+        <p:spPr>
+          <a:xfrm>
+            <a:off x="4557346" y="768079"/>
+            <a:ext cx="3077307" cy="2553825"/>
+          </a:xfrm>
+          <a:prstGeom prst="rect">
+            <a:avLst/>
+          </a:prstGeom>
+          <a:solidFill>
+            <a:srgbClr val="1D8900">
+              <a:alpha val="9804"/>
+            </a:srgbClr>
+          </a:solidFill>
+          <a:ln w="12700">
+            <a:noFill/>
+            <a:prstDash val="dash"/>
+          </a:ln>
+        </p:spPr>
+        <p:style>
+          <a:lnRef idx="2">
+            <a:schemeClr val="accent1">
+              <a:shade val="50000"/>
+            </a:schemeClr>
+          </a:lnRef>
+          <a:fillRef idx="1">
+            <a:schemeClr val="accent1"/>
+          </a:fillRef>
+          <a:effectRef idx="0">
+            <a:schemeClr val="accent1"/>
+          </a:effectRef>
+          <a:fontRef idx="minor">
+            <a:schemeClr val="lt1"/>
+          </a:fontRef>
+        </p:style>
+        <p:txBody>
+          <a:bodyPr lIns="502920"/>
+          <a:lstStyle/>
+          <a:p>
+            <a:pPr eaLnBrk="1" fontAlgn="auto" hangingPunct="1">
+              <a:spcBef>
+                <a:spcPts val="0"/>
+              </a:spcBef>
+              <a:spcAft>
+                <a:spcPts val="0"/>
+              </a:spcAft>
+              <a:defRPr/>
+            </a:pPr>
+            <a:r>
+              <a:rPr lang="en-US" sz="1200" dirty="0">
+                <a:solidFill>
+                  <a:srgbClr val="1E8900"/>
+                </a:solidFill>
+                <a:latin typeface="Arial" panose="020B0604020202020204" pitchFamily="34" charset="0"/>
+                <a:cs typeface="Arial" panose="020B0604020202020204" pitchFamily="34" charset="0"/>
+              </a:rPr>
+              <a:t>Public subnet</a:t>
+            </a:r>
+          </a:p>
+        </p:txBody>
+      </p:sp>
+      <p:pic>
+        <p:nvPicPr>
+          <p:cNvPr id="20" name="Graphic 19">
+            <a:extLst>
+              <a:ext uri="{FF2B5EF4-FFF2-40B4-BE49-F238E27FC236}">
+                <a16:creationId xmlns:a16="http://schemas.microsoft.com/office/drawing/2014/main" id="{C37697DB-DD95-44F3-9627-73A04C8BE83C}"/>
+              </a:ext>
+            </a:extLst>
+          </p:cNvPr>
+          <p:cNvPicPr>
+            <a:picLocks noChangeAspect="1"/>
+          </p:cNvPicPr>
+          <p:nvPr/>
+        </p:nvPicPr>
+        <p:blipFill>
+          <a:blip r:embed="rId4">
+            <a:extLst>
+              <a:ext uri="{96DAC541-7B7A-43D3-8B79-37D633B846F1}">
+                <asvg:svgBlip xmlns:asvg="http://schemas.microsoft.com/office/drawing/2016/SVG/main" r:embed="rId5"/>
+              </a:ext>
+            </a:extLst>
+          </a:blip>
+          <a:stretch>
+            <a:fillRect/>
+          </a:stretch>
+        </p:blipFill>
+        <p:spPr>
+          <a:xfrm>
+            <a:off x="4557346" y="768079"/>
+            <a:ext cx="381000" cy="381000"/>
+          </a:xfrm>
+          <a:prstGeom prst="rect">
+            <a:avLst/>
+          </a:prstGeom>
+        </p:spPr>
+      </p:pic>
+      <p:sp>
+        <p:nvSpPr>
+          <p:cNvPr id="21" name="Rectangle 32">
+            <a:extLst>
+              <a:ext uri="{FF2B5EF4-FFF2-40B4-BE49-F238E27FC236}">
+                <a16:creationId xmlns:a16="http://schemas.microsoft.com/office/drawing/2014/main" id="{C66AD909-32BB-40CD-A329-C58AAB057A34}"/>
+              </a:ext>
+            </a:extLst>
+          </p:cNvPr>
+          <p:cNvSpPr/>
+          <p:nvPr/>
+        </p:nvSpPr>
+        <p:spPr>
+          <a:xfrm>
+            <a:off x="8275030" y="768079"/>
+            <a:ext cx="3077307" cy="2553825"/>
+          </a:xfrm>
+          <a:prstGeom prst="rect">
+            <a:avLst/>
+          </a:prstGeom>
+          <a:solidFill>
+            <a:srgbClr val="1D8900">
+              <a:alpha val="9804"/>
+            </a:srgbClr>
+          </a:solidFill>
+          <a:ln w="12700">
+            <a:noFill/>
+            <a:prstDash val="dash"/>
+          </a:ln>
+        </p:spPr>
+        <p:style>
+          <a:lnRef idx="2">
+            <a:schemeClr val="accent1">
+              <a:shade val="50000"/>
+            </a:schemeClr>
+          </a:lnRef>
+          <a:fillRef idx="1">
+            <a:schemeClr val="accent1"/>
+          </a:fillRef>
+          <a:effectRef idx="0">
+            <a:schemeClr val="accent1"/>
+          </a:effectRef>
+          <a:fontRef idx="minor">
+            <a:schemeClr val="lt1"/>
+          </a:fontRef>
+        </p:style>
+        <p:txBody>
+          <a:bodyPr lIns="502920"/>
+          <a:lstStyle/>
+          <a:p>
+            <a:pPr eaLnBrk="1" fontAlgn="auto" hangingPunct="1">
+              <a:spcBef>
+                <a:spcPts val="0"/>
+              </a:spcBef>
+              <a:spcAft>
+                <a:spcPts val="0"/>
+              </a:spcAft>
+              <a:defRPr/>
+            </a:pPr>
+            <a:r>
+              <a:rPr lang="en-US" sz="1200" dirty="0">
+                <a:solidFill>
+                  <a:srgbClr val="1E8900"/>
+                </a:solidFill>
+                <a:latin typeface="Arial" panose="020B0604020202020204" pitchFamily="34" charset="0"/>
+                <a:cs typeface="Arial" panose="020B0604020202020204" pitchFamily="34" charset="0"/>
+              </a:rPr>
+              <a:t>Public subnet</a:t>
+            </a:r>
+          </a:p>
+        </p:txBody>
+      </p:sp>
+      <p:pic>
+        <p:nvPicPr>
+          <p:cNvPr id="22" name="Graphic 21">
+            <a:extLst>
+              <a:ext uri="{FF2B5EF4-FFF2-40B4-BE49-F238E27FC236}">
+                <a16:creationId xmlns:a16="http://schemas.microsoft.com/office/drawing/2014/main" id="{7A211FA5-A99D-441E-A44D-013A7B091A62}"/>
+              </a:ext>
+            </a:extLst>
+          </p:cNvPr>
+          <p:cNvPicPr>
+            <a:picLocks noChangeAspect="1"/>
+          </p:cNvPicPr>
+          <p:nvPr/>
+        </p:nvPicPr>
+        <p:blipFill>
+          <a:blip r:embed="rId4">
+            <a:extLst>
+              <a:ext uri="{96DAC541-7B7A-43D3-8B79-37D633B846F1}">
+                <asvg:svgBlip xmlns:asvg="http://schemas.microsoft.com/office/drawing/2016/SVG/main" r:embed="rId5"/>
+              </a:ext>
+            </a:extLst>
+          </a:blip>
+          <a:stretch>
+            <a:fillRect/>
+          </a:stretch>
+        </p:blipFill>
+        <p:spPr>
+          <a:xfrm>
+            <a:off x="8275029" y="768079"/>
+            <a:ext cx="381000" cy="381000"/>
+          </a:xfrm>
+          <a:prstGeom prst="rect">
+            <a:avLst/>
+          </a:prstGeom>
+        </p:spPr>
+      </p:pic>
+      <p:sp>
+        <p:nvSpPr>
+          <p:cNvPr id="18" name="Rectangle 7">
+            <a:extLst>
+              <a:ext uri="{FF2B5EF4-FFF2-40B4-BE49-F238E27FC236}">
+                <a16:creationId xmlns:a16="http://schemas.microsoft.com/office/drawing/2014/main" id="{ED41A29F-D405-4F08-A85B-38B1F8F9992D}"/>
+              </a:ext>
+            </a:extLst>
+          </p:cNvPr>
+          <p:cNvSpPr/>
+          <p:nvPr/>
+        </p:nvSpPr>
+        <p:spPr>
+          <a:xfrm>
+            <a:off x="839661" y="3619608"/>
+            <a:ext cx="3077306" cy="2553825"/>
+          </a:xfrm>
+          <a:prstGeom prst="rect">
+            <a:avLst/>
+          </a:prstGeom>
+          <a:solidFill>
+            <a:srgbClr val="007CBC">
+              <a:alpha val="9804"/>
+            </a:srgbClr>
+          </a:solidFill>
+          <a:ln w="12700">
+            <a:noFill/>
+            <a:prstDash val="dash"/>
+          </a:ln>
+        </p:spPr>
+        <p:style>
+          <a:lnRef idx="2">
+            <a:schemeClr val="accent1">
+              <a:shade val="50000"/>
+            </a:schemeClr>
+          </a:lnRef>
+          <a:fillRef idx="1">
+            <a:schemeClr val="accent1"/>
+          </a:fillRef>
+          <a:effectRef idx="0">
+            <a:schemeClr val="accent1"/>
+          </a:effectRef>
+          <a:fontRef idx="minor">
+            <a:schemeClr val="lt1"/>
+          </a:fontRef>
+        </p:style>
+        <p:txBody>
+          <a:bodyPr lIns="502920"/>
+          <a:lstStyle/>
+          <a:p>
+            <a:pPr eaLnBrk="1" fontAlgn="auto" hangingPunct="1">
+              <a:spcBef>
+                <a:spcPts val="0"/>
+              </a:spcBef>
+              <a:spcAft>
+                <a:spcPts val="0"/>
+              </a:spcAft>
+              <a:defRPr/>
+            </a:pPr>
+            <a:r>
+              <a:rPr lang="en-US" sz="1200">
+                <a:solidFill>
+                  <a:srgbClr val="5B9CD5"/>
+                </a:solidFill>
+                <a:latin typeface="Arial" panose="020B0604020202020204" pitchFamily="34" charset="0"/>
+                <a:cs typeface="Arial" panose="020B0604020202020204" pitchFamily="34" charset="0"/>
+              </a:rPr>
+              <a:t>Private subnet</a:t>
+            </a:r>
+            <a:endParaRPr lang="en-US" sz="1200" dirty="0">
+              <a:solidFill>
+                <a:srgbClr val="5B9CD5"/>
+              </a:solidFill>
+              <a:latin typeface="Arial" panose="020B0604020202020204" pitchFamily="34" charset="0"/>
+              <a:cs typeface="Arial" panose="020B0604020202020204" pitchFamily="34" charset="0"/>
+            </a:endParaRPr>
+          </a:p>
+        </p:txBody>
+      </p:sp>
+      <p:pic>
+        <p:nvPicPr>
+          <p:cNvPr id="23" name="Graphic 22">
+            <a:extLst>
+              <a:ext uri="{FF2B5EF4-FFF2-40B4-BE49-F238E27FC236}">
+                <a16:creationId xmlns:a16="http://schemas.microsoft.com/office/drawing/2014/main" id="{81C649A8-2CD2-4F69-90D9-17E4BBC4E8D4}"/>
+              </a:ext>
+            </a:extLst>
+          </p:cNvPr>
+          <p:cNvPicPr>
+            <a:picLocks noChangeAspect="1"/>
+          </p:cNvPicPr>
+          <p:nvPr/>
+        </p:nvPicPr>
+        <p:blipFill>
+          <a:blip r:embed="rId6">
+            <a:extLst>
+              <a:ext uri="{96DAC541-7B7A-43D3-8B79-37D633B846F1}">
+                <asvg:svgBlip xmlns:asvg="http://schemas.microsoft.com/office/drawing/2016/SVG/main" r:embed="rId7"/>
+              </a:ext>
+            </a:extLst>
+          </a:blip>
+          <a:stretch>
+            <a:fillRect/>
+          </a:stretch>
+        </p:blipFill>
+        <p:spPr>
+          <a:xfrm>
+            <a:off x="844423" y="3621197"/>
+            <a:ext cx="381000" cy="381000"/>
+          </a:xfrm>
+          <a:prstGeom prst="rect">
+            <a:avLst/>
+          </a:prstGeom>
+        </p:spPr>
+      </p:pic>
+      <p:sp>
+        <p:nvSpPr>
+          <p:cNvPr id="25" name="Rectangle 7">
+            <a:extLst>
+              <a:ext uri="{FF2B5EF4-FFF2-40B4-BE49-F238E27FC236}">
+                <a16:creationId xmlns:a16="http://schemas.microsoft.com/office/drawing/2014/main" id="{7C83434A-6C38-4D60-999E-4D4F388383BD}"/>
+              </a:ext>
+            </a:extLst>
+          </p:cNvPr>
+          <p:cNvSpPr/>
+          <p:nvPr/>
+        </p:nvSpPr>
+        <p:spPr>
+          <a:xfrm>
+            <a:off x="4557345" y="3608387"/>
+            <a:ext cx="3077307" cy="2550894"/>
+          </a:xfrm>
+          <a:prstGeom prst="rect">
+            <a:avLst/>
+          </a:prstGeom>
+          <a:solidFill>
+            <a:srgbClr val="007CBC">
+              <a:alpha val="9804"/>
+            </a:srgbClr>
+          </a:solidFill>
+          <a:ln w="12700">
+            <a:noFill/>
+            <a:prstDash val="dash"/>
+          </a:ln>
+        </p:spPr>
+        <p:style>
+          <a:lnRef idx="2">
+            <a:schemeClr val="accent1">
+              <a:shade val="50000"/>
+            </a:schemeClr>
+          </a:lnRef>
+          <a:fillRef idx="1">
+            <a:schemeClr val="accent1"/>
+          </a:fillRef>
+          <a:effectRef idx="0">
+            <a:schemeClr val="accent1"/>
+          </a:effectRef>
+          <a:fontRef idx="minor">
+            <a:schemeClr val="lt1"/>
+          </a:fontRef>
+        </p:style>
+        <p:txBody>
+          <a:bodyPr lIns="502920"/>
+          <a:lstStyle/>
+          <a:p>
+            <a:pPr eaLnBrk="1" fontAlgn="auto" hangingPunct="1">
+              <a:spcBef>
+                <a:spcPts val="0"/>
+              </a:spcBef>
+              <a:spcAft>
+                <a:spcPts val="0"/>
+              </a:spcAft>
+              <a:defRPr/>
+            </a:pPr>
+            <a:r>
+              <a:rPr lang="en-US" sz="1200" dirty="0">
+                <a:solidFill>
+                  <a:srgbClr val="5B9CD5"/>
+                </a:solidFill>
+                <a:latin typeface="Arial" panose="020B0604020202020204" pitchFamily="34" charset="0"/>
+                <a:cs typeface="Arial" panose="020B0604020202020204" pitchFamily="34" charset="0"/>
+              </a:rPr>
+              <a:t>Private subnet</a:t>
+            </a:r>
+          </a:p>
+        </p:txBody>
+      </p:sp>
+      <p:pic>
+        <p:nvPicPr>
+          <p:cNvPr id="26" name="Graphic 25">
+            <a:extLst>
+              <a:ext uri="{FF2B5EF4-FFF2-40B4-BE49-F238E27FC236}">
+                <a16:creationId xmlns:a16="http://schemas.microsoft.com/office/drawing/2014/main" id="{882C46A4-706F-4279-9B44-6ED37CC99CA9}"/>
+              </a:ext>
+            </a:extLst>
+          </p:cNvPr>
+          <p:cNvPicPr>
+            <a:picLocks noChangeAspect="1"/>
+          </p:cNvPicPr>
+          <p:nvPr/>
+        </p:nvPicPr>
+        <p:blipFill>
+          <a:blip r:embed="rId6">
+            <a:extLst>
+              <a:ext uri="{96DAC541-7B7A-43D3-8B79-37D633B846F1}">
+                <asvg:svgBlip xmlns:asvg="http://schemas.microsoft.com/office/drawing/2016/SVG/main" r:embed="rId7"/>
+              </a:ext>
+            </a:extLst>
+          </a:blip>
+          <a:stretch>
+            <a:fillRect/>
+          </a:stretch>
+        </p:blipFill>
+        <p:spPr>
+          <a:xfrm>
+            <a:off x="4557346" y="3608390"/>
+            <a:ext cx="381000" cy="381000"/>
+          </a:xfrm>
+          <a:prstGeom prst="rect">
+            <a:avLst/>
+          </a:prstGeom>
+        </p:spPr>
+      </p:pic>
+      <p:sp>
+        <p:nvSpPr>
+          <p:cNvPr id="27" name="Rectangle 7">
+            <a:extLst>
+              <a:ext uri="{FF2B5EF4-FFF2-40B4-BE49-F238E27FC236}">
+                <a16:creationId xmlns:a16="http://schemas.microsoft.com/office/drawing/2014/main" id="{4184D772-6073-4160-B019-D3BBA08A34D1}"/>
+              </a:ext>
+            </a:extLst>
+          </p:cNvPr>
+          <p:cNvSpPr/>
+          <p:nvPr/>
+        </p:nvSpPr>
+        <p:spPr>
+          <a:xfrm>
+            <a:off x="8275030" y="3605456"/>
+            <a:ext cx="3077306" cy="2550893"/>
+          </a:xfrm>
+          <a:prstGeom prst="rect">
+            <a:avLst/>
+          </a:prstGeom>
+          <a:solidFill>
+            <a:srgbClr val="007CBC">
+              <a:alpha val="9804"/>
+            </a:srgbClr>
+          </a:solidFill>
+          <a:ln w="12700">
+            <a:noFill/>
+            <a:prstDash val="dash"/>
+          </a:ln>
+        </p:spPr>
+        <p:style>
+          <a:lnRef idx="2">
+            <a:schemeClr val="accent1">
+              <a:shade val="50000"/>
+            </a:schemeClr>
+          </a:lnRef>
+          <a:fillRef idx="1">
+            <a:schemeClr val="accent1"/>
+          </a:fillRef>
+          <a:effectRef idx="0">
+            <a:schemeClr val="accent1"/>
+          </a:effectRef>
+          <a:fontRef idx="minor">
+            <a:schemeClr val="lt1"/>
+          </a:fontRef>
+        </p:style>
+        <p:txBody>
+          <a:bodyPr lIns="502920"/>
+          <a:lstStyle/>
+          <a:p>
+            <a:pPr eaLnBrk="1" fontAlgn="auto" hangingPunct="1">
+              <a:spcBef>
+                <a:spcPts val="0"/>
+              </a:spcBef>
+              <a:spcAft>
+                <a:spcPts val="0"/>
+              </a:spcAft>
+              <a:defRPr/>
+            </a:pPr>
+            <a:r>
+              <a:rPr lang="en-US" sz="1200" dirty="0">
+                <a:solidFill>
+                  <a:srgbClr val="5B9CD5"/>
+                </a:solidFill>
+                <a:latin typeface="Arial" panose="020B0604020202020204" pitchFamily="34" charset="0"/>
+                <a:cs typeface="Arial" panose="020B0604020202020204" pitchFamily="34" charset="0"/>
+              </a:rPr>
+              <a:t>Private subnet</a:t>
+            </a:r>
+          </a:p>
+        </p:txBody>
+      </p:sp>
+      <p:pic>
+        <p:nvPicPr>
+          <p:cNvPr id="28" name="Graphic 27">
+            <a:extLst>
+              <a:ext uri="{FF2B5EF4-FFF2-40B4-BE49-F238E27FC236}">
+                <a16:creationId xmlns:a16="http://schemas.microsoft.com/office/drawing/2014/main" id="{E08F8430-F87B-4B07-B1E3-26F9C1A92B07}"/>
+              </a:ext>
+            </a:extLst>
+          </p:cNvPr>
+          <p:cNvPicPr>
+            <a:picLocks noChangeAspect="1"/>
+          </p:cNvPicPr>
+          <p:nvPr/>
+        </p:nvPicPr>
+        <p:blipFill>
+          <a:blip r:embed="rId6">
+            <a:extLst>
+              <a:ext uri="{96DAC541-7B7A-43D3-8B79-37D633B846F1}">
+                <asvg:svgBlip xmlns:asvg="http://schemas.microsoft.com/office/drawing/2016/SVG/main" r:embed="rId7"/>
+              </a:ext>
+            </a:extLst>
+          </a:blip>
+          <a:stretch>
+            <a:fillRect/>
+          </a:stretch>
+        </p:blipFill>
+        <p:spPr>
+          <a:xfrm>
+            <a:off x="8275030" y="3605458"/>
+            <a:ext cx="381000" cy="381000"/>
+          </a:xfrm>
+          <a:prstGeom prst="rect">
+            <a:avLst/>
+          </a:prstGeom>
+        </p:spPr>
+      </p:pic>
+    </p:spTree>
+    <p:extLst>
+      <p:ext uri="{BB962C8B-B14F-4D97-AF65-F5344CB8AC3E}">
+        <p14:creationId xmlns:p14="http://schemas.microsoft.com/office/powerpoint/2010/main" val="4217894680"/>
       </p:ext>
     </p:extLst>
   </p:cSld>
